--- a/analysis/submitted_analyses/attentional_manipulations_choicebias.pptx
+++ b/analysis/submitted_analyses/attentional_manipulations_choicebias.pptx
@@ -243,7 +243,7 @@
           <a:p>
             <a:fld id="{CFC60B5F-2253-DF41-8690-61B53F1555CE}" type="datetimeFigureOut">
               <a:rPr lang="en-US" smtClean="0"/>
-              <a:t>1/29/24</a:t>
+              <a:t>6/14/24</a:t>
             </a:fld>
             <a:endParaRPr lang="en-US"/>
           </a:p>
@@ -413,7 +413,7 @@
           <a:p>
             <a:fld id="{CFC60B5F-2253-DF41-8690-61B53F1555CE}" type="datetimeFigureOut">
               <a:rPr lang="en-US" smtClean="0"/>
-              <a:t>1/29/24</a:t>
+              <a:t>6/14/24</a:t>
             </a:fld>
             <a:endParaRPr lang="en-US"/>
           </a:p>
@@ -593,7 +593,7 @@
           <a:p>
             <a:fld id="{CFC60B5F-2253-DF41-8690-61B53F1555CE}" type="datetimeFigureOut">
               <a:rPr lang="en-US" smtClean="0"/>
-              <a:t>1/29/24</a:t>
+              <a:t>6/14/24</a:t>
             </a:fld>
             <a:endParaRPr lang="en-US"/>
           </a:p>
@@ -763,7 +763,7 @@
           <a:p>
             <a:fld id="{CFC60B5F-2253-DF41-8690-61B53F1555CE}" type="datetimeFigureOut">
               <a:rPr lang="en-US" smtClean="0"/>
-              <a:t>1/29/24</a:t>
+              <a:t>6/14/24</a:t>
             </a:fld>
             <a:endParaRPr lang="en-US"/>
           </a:p>
@@ -1007,7 +1007,7 @@
           <a:p>
             <a:fld id="{CFC60B5F-2253-DF41-8690-61B53F1555CE}" type="datetimeFigureOut">
               <a:rPr lang="en-US" smtClean="0"/>
-              <a:t>1/29/24</a:t>
+              <a:t>6/14/24</a:t>
             </a:fld>
             <a:endParaRPr lang="en-US"/>
           </a:p>
@@ -1239,7 +1239,7 @@
           <a:p>
             <a:fld id="{CFC60B5F-2253-DF41-8690-61B53F1555CE}" type="datetimeFigureOut">
               <a:rPr lang="en-US" smtClean="0"/>
-              <a:t>1/29/24</a:t>
+              <a:t>6/14/24</a:t>
             </a:fld>
             <a:endParaRPr lang="en-US"/>
           </a:p>
@@ -1606,7 +1606,7 @@
           <a:p>
             <a:fld id="{CFC60B5F-2253-DF41-8690-61B53F1555CE}" type="datetimeFigureOut">
               <a:rPr lang="en-US" smtClean="0"/>
-              <a:t>1/29/24</a:t>
+              <a:t>6/14/24</a:t>
             </a:fld>
             <a:endParaRPr lang="en-US"/>
           </a:p>
@@ -1724,7 +1724,7 @@
           <a:p>
             <a:fld id="{CFC60B5F-2253-DF41-8690-61B53F1555CE}" type="datetimeFigureOut">
               <a:rPr lang="en-US" smtClean="0"/>
-              <a:t>1/29/24</a:t>
+              <a:t>6/14/24</a:t>
             </a:fld>
             <a:endParaRPr lang="en-US"/>
           </a:p>
@@ -1819,7 +1819,7 @@
           <a:p>
             <a:fld id="{CFC60B5F-2253-DF41-8690-61B53F1555CE}" type="datetimeFigureOut">
               <a:rPr lang="en-US" smtClean="0"/>
-              <a:t>1/29/24</a:t>
+              <a:t>6/14/24</a:t>
             </a:fld>
             <a:endParaRPr lang="en-US"/>
           </a:p>
@@ -2096,7 +2096,7 @@
           <a:p>
             <a:fld id="{CFC60B5F-2253-DF41-8690-61B53F1555CE}" type="datetimeFigureOut">
               <a:rPr lang="en-US" smtClean="0"/>
-              <a:t>1/29/24</a:t>
+              <a:t>6/14/24</a:t>
             </a:fld>
             <a:endParaRPr lang="en-US"/>
           </a:p>
@@ -2353,7 +2353,7 @@
           <a:p>
             <a:fld id="{CFC60B5F-2253-DF41-8690-61B53F1555CE}" type="datetimeFigureOut">
               <a:rPr lang="en-US" smtClean="0"/>
-              <a:t>1/29/24</a:t>
+              <a:t>6/14/24</a:t>
             </a:fld>
             <a:endParaRPr lang="en-US"/>
           </a:p>
@@ -2566,7 +2566,7 @@
           <a:p>
             <a:fld id="{CFC60B5F-2253-DF41-8690-61B53F1555CE}" type="datetimeFigureOut">
               <a:rPr lang="en-US" smtClean="0"/>
-              <a:t>1/29/24</a:t>
+              <a:t>6/14/24</a:t>
             </a:fld>
             <a:endParaRPr lang="en-US"/>
           </a:p>
@@ -2973,10 +2973,10 @@
       </p:grpSpPr>
       <p:pic>
         <p:nvPicPr>
-          <p:cNvPr id="3" name="Picture 2">
+          <p:cNvPr id="4" name="Picture 3">
             <a:extLst>
               <a:ext uri="{FF2B5EF4-FFF2-40B4-BE49-F238E27FC236}">
-                <a16:creationId xmlns:a16="http://schemas.microsoft.com/office/drawing/2014/main" id="{287B7313-80F4-679F-5223-04010A006C74}"/>
+                <a16:creationId xmlns:a16="http://schemas.microsoft.com/office/drawing/2014/main" id="{F172C611-CD93-A48D-256A-A6479EB10266}"/>
               </a:ext>
             </a:extLst>
           </p:cNvPr>
@@ -3003,10 +3003,10 @@
       </p:pic>
       <p:pic>
         <p:nvPicPr>
-          <p:cNvPr id="5" name="Picture 4">
+          <p:cNvPr id="8" name="Picture 7">
             <a:extLst>
               <a:ext uri="{FF2B5EF4-FFF2-40B4-BE49-F238E27FC236}">
-                <a16:creationId xmlns:a16="http://schemas.microsoft.com/office/drawing/2014/main" id="{BF47E896-A49A-F5F7-D09E-31EB70FD424B}"/>
+                <a16:creationId xmlns:a16="http://schemas.microsoft.com/office/drawing/2014/main" id="{CC93947E-7ABC-1DEB-4CF9-05FB3C42D7C6}"/>
               </a:ext>
             </a:extLst>
           </p:cNvPr>
@@ -3023,7 +3023,7 @@
         </p:blipFill>
         <p:spPr>
           <a:xfrm>
-            <a:off x="0" y="3108960"/>
+            <a:off x="0" y="3108801"/>
             <a:ext cx="7772400" cy="3108960"/>
           </a:xfrm>
           <a:prstGeom prst="rect">
@@ -3033,10 +3033,10 @@
       </p:pic>
       <p:pic>
         <p:nvPicPr>
-          <p:cNvPr id="7" name="Picture 6">
+          <p:cNvPr id="10" name="Picture 9">
             <a:extLst>
               <a:ext uri="{FF2B5EF4-FFF2-40B4-BE49-F238E27FC236}">
-                <a16:creationId xmlns:a16="http://schemas.microsoft.com/office/drawing/2014/main" id="{7A64965A-26B6-0C8F-0520-A37DC221E906}"/>
+                <a16:creationId xmlns:a16="http://schemas.microsoft.com/office/drawing/2014/main" id="{86A2861D-1F0A-712E-C31B-BE8CA6340C52}"/>
               </a:ext>
             </a:extLst>
           </p:cNvPr>
@@ -3053,7 +3053,7 @@
         </p:blipFill>
         <p:spPr>
           <a:xfrm>
-            <a:off x="0" y="6217603"/>
+            <a:off x="0" y="6217602"/>
             <a:ext cx="7772400" cy="3108960"/>
           </a:xfrm>
           <a:prstGeom prst="rect">
